--- a/Robson de Jesus.pptx
+++ b/Robson de Jesus.pptx
@@ -273,7 +273,7 @@
           <a:p>
             <a:fld id="{1D8BD707-D9CF-40AE-B4C6-C98DA3205C09}" type="datetimeFigureOut">
               <a:rPr lang="en-US"/>
-              <a:t>12/8/2021</a:t>
+              <a:t>12/12/2021</a:t>
             </a:fld>
             <a:endParaRPr lang="en-US"/>
           </a:p>
@@ -450,7 +450,7 @@
           <a:p>
             <a:fld id="{1D8BD707-D9CF-40AE-B4C6-C98DA3205C09}" type="datetimeFigureOut">
               <a:rPr lang="en-US"/>
-              <a:t>12/8/2021</a:t>
+              <a:t>12/12/2021</a:t>
             </a:fld>
             <a:endParaRPr lang="en-US"/>
           </a:p>
@@ -664,7 +664,7 @@
           <a:p>
             <a:fld id="{1D8BD707-D9CF-40AE-B4C6-C98DA3205C09}" type="datetimeFigureOut">
               <a:rPr lang="en-US"/>
-              <a:t>12/8/2021</a:t>
+              <a:t>12/12/2021</a:t>
             </a:fld>
             <a:endParaRPr lang="en-US"/>
           </a:p>
@@ -812,7 +812,7 @@
           <a:p>
             <a:fld id="{1D8BD707-D9CF-40AE-B4C6-C98DA3205C09}" type="datetimeFigureOut">
               <a:rPr lang="en-US"/>
-              <a:t>12/8/2021</a:t>
+              <a:t>12/12/2021</a:t>
             </a:fld>
             <a:endParaRPr lang="en-US"/>
           </a:p>
@@ -931,7 +931,7 @@
           <a:p>
             <a:fld id="{1D8BD707-D9CF-40AE-B4C6-C98DA3205C09}" type="datetimeFigureOut">
               <a:rPr lang="en-US"/>
-              <a:t>12/8/2021</a:t>
+              <a:t>12/12/2021</a:t>
             </a:fld>
             <a:endParaRPr lang="en-US"/>
           </a:p>
@@ -1206,7 +1206,7 @@
           <a:p>
             <a:fld id="{1D8BD707-D9CF-40AE-B4C6-C98DA3205C09}" type="datetimeFigureOut">
               <a:rPr lang="en-US"/>
-              <a:t>12/8/2021</a:t>
+              <a:t>12/12/2021</a:t>
             </a:fld>
             <a:endParaRPr lang="en-US"/>
           </a:p>
@@ -4848,10 +4848,10 @@
       </p:pic>
       <p:pic>
         <p:nvPicPr>
-          <p:cNvPr id="8" name="Imagem 7">
+          <p:cNvPr id="5" name="Imagem 4">
             <a:extLst>
               <a:ext uri="{FF2B5EF4-FFF2-40B4-BE49-F238E27FC236}">
-                <a16:creationId xmlns:a16="http://schemas.microsoft.com/office/drawing/2014/main" id="{71119345-58B5-4C87-BF0C-5985D2A318A3}"/>
+                <a16:creationId xmlns:a16="http://schemas.microsoft.com/office/drawing/2014/main" id="{330C9514-EF67-4195-8D67-51450432513A}"/>
               </a:ext>
             </a:extLst>
           </p:cNvPr>
@@ -4868,8 +4868,8 @@
         </p:blipFill>
         <p:spPr>
           <a:xfrm>
-            <a:off x="4729065" y="1600200"/>
-            <a:ext cx="4338735" cy="4781550"/>
+            <a:off x="4583723" y="1600199"/>
+            <a:ext cx="4484077" cy="4781551"/>
           </a:xfrm>
           <a:prstGeom prst="rect">
             <a:avLst/>
